--- a/평균, 분산 임용고시 2007.pptx
+++ b/평균, 분산 임용고시 2007.pptx
@@ -9,13 +9,19 @@
     <p:sldId id="259" r:id="rId3"/>
     <p:sldId id="257" r:id="rId4"/>
     <p:sldId id="267" r:id="rId5"/>
-    <p:sldId id="268" r:id="rId6"/>
-    <p:sldId id="269" r:id="rId7"/>
-    <p:sldId id="270" r:id="rId8"/>
-    <p:sldId id="271" r:id="rId9"/>
-    <p:sldId id="272" r:id="rId10"/>
-    <p:sldId id="273" r:id="rId11"/>
-    <p:sldId id="274" r:id="rId12"/>
+    <p:sldId id="275" r:id="rId6"/>
+    <p:sldId id="268" r:id="rId7"/>
+    <p:sldId id="269" r:id="rId8"/>
+    <p:sldId id="270" r:id="rId9"/>
+    <p:sldId id="271" r:id="rId10"/>
+    <p:sldId id="272" r:id="rId11"/>
+    <p:sldId id="273" r:id="rId12"/>
+    <p:sldId id="274" r:id="rId13"/>
+    <p:sldId id="276" r:id="rId14"/>
+    <p:sldId id="277" r:id="rId15"/>
+    <p:sldId id="278" r:id="rId16"/>
+    <p:sldId id="279" r:id="rId17"/>
+    <p:sldId id="280" r:id="rId18"/>
   </p:sldIdLst>
   <p:sldSz cx="12192000" cy="6858000"/>
   <p:notesSz cx="6858000" cy="9144000"/>
@@ -253,7 +259,7 @@
           <a:p>
             <a:fld id="{5B3AD1D6-AE87-C841-B3FD-7C9F7FCAE5AE}" type="datetimeFigureOut">
               <a:rPr lang="en-US" smtClean="0"/>
-              <a:t>12/15/19</a:t>
+              <a:t>12/17/19</a:t>
             </a:fld>
             <a:endParaRPr lang="en-US"/>
           </a:p>
@@ -423,7 +429,7 @@
           <a:p>
             <a:fld id="{5B3AD1D6-AE87-C841-B3FD-7C9F7FCAE5AE}" type="datetimeFigureOut">
               <a:rPr lang="en-US" smtClean="0"/>
-              <a:t>12/15/19</a:t>
+              <a:t>12/17/19</a:t>
             </a:fld>
             <a:endParaRPr lang="en-US"/>
           </a:p>
@@ -603,7 +609,7 @@
           <a:p>
             <a:fld id="{5B3AD1D6-AE87-C841-B3FD-7C9F7FCAE5AE}" type="datetimeFigureOut">
               <a:rPr lang="en-US" smtClean="0"/>
-              <a:t>12/15/19</a:t>
+              <a:t>12/17/19</a:t>
             </a:fld>
             <a:endParaRPr lang="en-US"/>
           </a:p>
@@ -773,7 +779,7 @@
           <a:p>
             <a:fld id="{5B3AD1D6-AE87-C841-B3FD-7C9F7FCAE5AE}" type="datetimeFigureOut">
               <a:rPr lang="en-US" smtClean="0"/>
-              <a:t>12/15/19</a:t>
+              <a:t>12/17/19</a:t>
             </a:fld>
             <a:endParaRPr lang="en-US"/>
           </a:p>
@@ -1019,7 +1025,7 @@
           <a:p>
             <a:fld id="{5B3AD1D6-AE87-C841-B3FD-7C9F7FCAE5AE}" type="datetimeFigureOut">
               <a:rPr lang="en-US" smtClean="0"/>
-              <a:t>12/15/19</a:t>
+              <a:t>12/17/19</a:t>
             </a:fld>
             <a:endParaRPr lang="en-US"/>
           </a:p>
@@ -1251,7 +1257,7 @@
           <a:p>
             <a:fld id="{5B3AD1D6-AE87-C841-B3FD-7C9F7FCAE5AE}" type="datetimeFigureOut">
               <a:rPr lang="en-US" smtClean="0"/>
-              <a:t>12/15/19</a:t>
+              <a:t>12/17/19</a:t>
             </a:fld>
             <a:endParaRPr lang="en-US"/>
           </a:p>
@@ -1618,7 +1624,7 @@
           <a:p>
             <a:fld id="{5B3AD1D6-AE87-C841-B3FD-7C9F7FCAE5AE}" type="datetimeFigureOut">
               <a:rPr lang="en-US" smtClean="0"/>
-              <a:t>12/15/19</a:t>
+              <a:t>12/17/19</a:t>
             </a:fld>
             <a:endParaRPr lang="en-US"/>
           </a:p>
@@ -1736,7 +1742,7 @@
           <a:p>
             <a:fld id="{5B3AD1D6-AE87-C841-B3FD-7C9F7FCAE5AE}" type="datetimeFigureOut">
               <a:rPr lang="en-US" smtClean="0"/>
-              <a:t>12/15/19</a:t>
+              <a:t>12/17/19</a:t>
             </a:fld>
             <a:endParaRPr lang="en-US"/>
           </a:p>
@@ -1831,7 +1837,7 @@
           <a:p>
             <a:fld id="{5B3AD1D6-AE87-C841-B3FD-7C9F7FCAE5AE}" type="datetimeFigureOut">
               <a:rPr lang="en-US" smtClean="0"/>
-              <a:t>12/15/19</a:t>
+              <a:t>12/17/19</a:t>
             </a:fld>
             <a:endParaRPr lang="en-US"/>
           </a:p>
@@ -2108,7 +2114,7 @@
           <a:p>
             <a:fld id="{5B3AD1D6-AE87-C841-B3FD-7C9F7FCAE5AE}" type="datetimeFigureOut">
               <a:rPr lang="en-US" smtClean="0"/>
-              <a:t>12/15/19</a:t>
+              <a:t>12/17/19</a:t>
             </a:fld>
             <a:endParaRPr lang="en-US"/>
           </a:p>
@@ -2361,7 +2367,7 @@
           <a:p>
             <a:fld id="{5B3AD1D6-AE87-C841-B3FD-7C9F7FCAE5AE}" type="datetimeFigureOut">
               <a:rPr lang="en-US" smtClean="0"/>
-              <a:t>12/15/19</a:t>
+              <a:t>12/17/19</a:t>
             </a:fld>
             <a:endParaRPr lang="en-US"/>
           </a:p>
@@ -2574,7 +2580,7 @@
           <a:p>
             <a:fld id="{5B3AD1D6-AE87-C841-B3FD-7C9F7FCAE5AE}" type="datetimeFigureOut">
               <a:rPr lang="en-US" smtClean="0"/>
-              <a:t>12/15/19</a:t>
+              <a:t>12/17/19</a:t>
             </a:fld>
             <a:endParaRPr lang="en-US"/>
           </a:p>
@@ -3217,7 +3223,7 @@
                 <a:ea typeface="Arial Black" charset="0"/>
                 <a:cs typeface="Arial Black" charset="0"/>
               </a:rPr>
-              <a:t/>
+              <a:t>2007</a:t>
             </a:r>
             <a:br>
               <a:rPr lang="en-US" sz="6700" dirty="0" smtClean="0">
@@ -3270,6 +3276,13 @@
   <p:clrMapOvr>
     <a:masterClrMapping/>
   </p:clrMapOvr>
+  <p:timing>
+    <p:tnLst>
+      <p:par>
+        <p:cTn id="1" dur="indefinite" restart="never" nodeType="tmRoot"/>
+      </p:par>
+    </p:tnLst>
+  </p:timing>
 </p:sld>
 </file>
 
@@ -3372,8 +3385,8 @@
         </p:blipFill>
         <p:spPr>
           <a:xfrm>
-            <a:off x="411480" y="6035040"/>
-            <a:ext cx="10957560" cy="472440"/>
+            <a:off x="411480" y="5425440"/>
+            <a:ext cx="10957560" cy="1082040"/>
           </a:xfrm>
           <a:prstGeom prst="rect">
             <a:avLst/>
@@ -3383,13 +3396,20 @@
     </p:spTree>
     <p:extLst>
       <p:ext uri="{BB962C8B-B14F-4D97-AF65-F5344CB8AC3E}">
-        <p14:creationId xmlns:p14="http://schemas.microsoft.com/office/powerpoint/2010/main" val="1969950900"/>
+        <p14:creationId xmlns:p14="http://schemas.microsoft.com/office/powerpoint/2010/main" val="428099911"/>
       </p:ext>
     </p:extLst>
   </p:cSld>
   <p:clrMapOvr>
     <a:masterClrMapping/>
   </p:clrMapOvr>
+  <p:timing>
+    <p:tnLst>
+      <p:par>
+        <p:cTn id="1" dur="indefinite" restart="never" nodeType="tmRoot"/>
+      </p:par>
+    </p:tnLst>
+  </p:timing>
 </p:sld>
 </file>
 
@@ -3470,6 +3490,133 @@
           </a:prstGeom>
         </p:spPr>
       </p:pic>
+      <p:pic>
+        <p:nvPicPr>
+          <p:cNvPr id="5" name="Picture 4"/>
+          <p:cNvPicPr>
+            <a:picLocks noChangeAspect="1"/>
+          </p:cNvPicPr>
+          <p:nvPr/>
+        </p:nvPicPr>
+        <p:blipFill>
+          <a:blip r:embed="rId4">
+            <a:extLst>
+              <a:ext uri="{28A0092B-C50C-407E-A947-70E740481C1C}">
+                <a14:useLocalDpi xmlns:a14="http://schemas.microsoft.com/office/drawing/2010/main" val="0"/>
+              </a:ext>
+            </a:extLst>
+          </a:blip>
+          <a:stretch>
+            <a:fillRect/>
+          </a:stretch>
+        </p:blipFill>
+        <p:spPr>
+          <a:xfrm>
+            <a:off x="411480" y="6035040"/>
+            <a:ext cx="10957560" cy="472440"/>
+          </a:xfrm>
+          <a:prstGeom prst="rect">
+            <a:avLst/>
+          </a:prstGeom>
+        </p:spPr>
+      </p:pic>
+    </p:spTree>
+    <p:extLst>
+      <p:ext uri="{BB962C8B-B14F-4D97-AF65-F5344CB8AC3E}">
+        <p14:creationId xmlns:p14="http://schemas.microsoft.com/office/powerpoint/2010/main" val="1969950900"/>
+      </p:ext>
+    </p:extLst>
+  </p:cSld>
+  <p:clrMapOvr>
+    <a:masterClrMapping/>
+  </p:clrMapOvr>
+  <p:timing>
+    <p:tnLst>
+      <p:par>
+        <p:cTn id="1" dur="indefinite" restart="never" nodeType="tmRoot"/>
+      </p:par>
+    </p:tnLst>
+  </p:timing>
+</p:sld>
+</file>
+
+<file path=ppt/slides/slide12.xml><?xml version="1.0" encoding="utf-8"?>
+<p:sld xmlns:a="http://schemas.openxmlformats.org/drawingml/2006/main" xmlns:r="http://schemas.openxmlformats.org/officeDocument/2006/relationships" xmlns:p="http://schemas.openxmlformats.org/presentationml/2006/main">
+  <p:cSld>
+    <p:spTree>
+      <p:nvGrpSpPr>
+        <p:cNvPr id="1" name=""/>
+        <p:cNvGrpSpPr/>
+        <p:nvPr/>
+      </p:nvGrpSpPr>
+      <p:grpSpPr>
+        <a:xfrm>
+          <a:off x="0" y="0"/>
+          <a:ext cx="0" cy="0"/>
+          <a:chOff x="0" y="0"/>
+          <a:chExt cx="0" cy="0"/>
+        </a:xfrm>
+      </p:grpSpPr>
+      <p:pic>
+        <p:nvPicPr>
+          <p:cNvPr id="3" name="Picture 2"/>
+          <p:cNvPicPr>
+            <a:picLocks noChangeAspect="1"/>
+          </p:cNvPicPr>
+          <p:nvPr/>
+        </p:nvPicPr>
+        <p:blipFill>
+          <a:blip r:embed="rId2">
+            <a:extLst>
+              <a:ext uri="{28A0092B-C50C-407E-A947-70E740481C1C}">
+                <a14:useLocalDpi xmlns:a14="http://schemas.microsoft.com/office/drawing/2010/main" val="0"/>
+              </a:ext>
+            </a:extLst>
+          </a:blip>
+          <a:stretch>
+            <a:fillRect/>
+          </a:stretch>
+        </p:blipFill>
+        <p:spPr>
+          <a:xfrm>
+            <a:off x="598593" y="2453640"/>
+            <a:ext cx="6030807" cy="1064260"/>
+          </a:xfrm>
+          <a:prstGeom prst="rect">
+            <a:avLst/>
+          </a:prstGeom>
+        </p:spPr>
+      </p:pic>
+      <p:pic>
+        <p:nvPicPr>
+          <p:cNvPr id="2" name="Picture 1"/>
+          <p:cNvPicPr>
+            <a:picLocks noChangeAspect="1"/>
+          </p:cNvPicPr>
+          <p:nvPr/>
+        </p:nvPicPr>
+        <p:blipFill>
+          <a:blip r:embed="rId3">
+            <a:extLst>
+              <a:ext uri="{28A0092B-C50C-407E-A947-70E740481C1C}">
+                <a14:useLocalDpi xmlns:a14="http://schemas.microsoft.com/office/drawing/2010/main" val="0"/>
+              </a:ext>
+            </a:extLst>
+          </a:blip>
+          <a:stretch>
+            <a:fillRect/>
+          </a:stretch>
+        </p:blipFill>
+        <p:spPr>
+          <a:xfrm>
+            <a:off x="1228030" y="137160"/>
+            <a:ext cx="9794466" cy="6492240"/>
+          </a:xfrm>
+          <a:prstGeom prst="rect">
+            <a:avLst/>
+          </a:prstGeom>
+        </p:spPr>
+      </p:pic>
     </p:spTree>
     <p:extLst>
       <p:ext uri="{BB962C8B-B14F-4D97-AF65-F5344CB8AC3E}">
@@ -3480,6 +3627,446 @@
   <p:clrMapOvr>
     <a:masterClrMapping/>
   </p:clrMapOvr>
+  <p:timing>
+    <p:tnLst>
+      <p:par>
+        <p:cTn id="1" dur="indefinite" restart="never" nodeType="tmRoot"/>
+      </p:par>
+    </p:tnLst>
+  </p:timing>
+</p:sld>
+</file>
+
+<file path=ppt/slides/slide13.xml><?xml version="1.0" encoding="utf-8"?>
+<p:sld xmlns:a="http://schemas.openxmlformats.org/drawingml/2006/main" xmlns:r="http://schemas.openxmlformats.org/officeDocument/2006/relationships" xmlns:p="http://schemas.openxmlformats.org/presentationml/2006/main">
+  <p:cSld>
+    <p:spTree>
+      <p:nvGrpSpPr>
+        <p:cNvPr id="1" name=""/>
+        <p:cNvGrpSpPr/>
+        <p:nvPr/>
+      </p:nvGrpSpPr>
+      <p:grpSpPr>
+        <a:xfrm>
+          <a:off x="0" y="0"/>
+          <a:ext cx="0" cy="0"/>
+          <a:chOff x="0" y="0"/>
+          <a:chExt cx="0" cy="0"/>
+        </a:xfrm>
+      </p:grpSpPr>
+      <p:sp>
+        <p:nvSpPr>
+          <p:cNvPr id="4" name="TextBox 3"/>
+          <p:cNvSpPr txBox="1"/>
+          <p:nvPr/>
+        </p:nvSpPr>
+        <p:spPr>
+          <a:xfrm>
+            <a:off x="3794760" y="2667000"/>
+            <a:ext cx="4370107" cy="707886"/>
+          </a:xfrm>
+          <a:prstGeom prst="rect">
+            <a:avLst/>
+          </a:prstGeom>
+          <a:noFill/>
+        </p:spPr>
+        <p:txBody>
+          <a:bodyPr wrap="none" rtlCol="0">
+            <a:spAutoFit/>
+          </a:bodyPr>
+          <a:lstStyle/>
+          <a:p>
+            <a:r>
+              <a:rPr lang="en-US" sz="4000" dirty="0" smtClean="0">
+                <a:latin typeface="Arial Black" charset="0"/>
+                <a:ea typeface="Arial Black" charset="0"/>
+                <a:cs typeface="Arial Black" charset="0"/>
+              </a:rPr>
+              <a:t>Decomposition</a:t>
+            </a:r>
+            <a:endParaRPr lang="en-US" sz="4000" dirty="0">
+              <a:latin typeface="Arial Black" charset="0"/>
+              <a:ea typeface="Arial Black" charset="0"/>
+              <a:cs typeface="Arial Black" charset="0"/>
+            </a:endParaRPr>
+          </a:p>
+        </p:txBody>
+      </p:sp>
+    </p:spTree>
+    <p:extLst>
+      <p:ext uri="{BB962C8B-B14F-4D97-AF65-F5344CB8AC3E}">
+        <p14:creationId xmlns:p14="http://schemas.microsoft.com/office/powerpoint/2010/main" val="1921570168"/>
+      </p:ext>
+    </p:extLst>
+  </p:cSld>
+  <p:clrMapOvr>
+    <a:masterClrMapping/>
+  </p:clrMapOvr>
+  <p:timing>
+    <p:tnLst>
+      <p:par>
+        <p:cTn id="1" dur="indefinite" restart="never" nodeType="tmRoot"/>
+      </p:par>
+    </p:tnLst>
+  </p:timing>
+</p:sld>
+</file>
+
+<file path=ppt/slides/slide14.xml><?xml version="1.0" encoding="utf-8"?>
+<p:sld xmlns:a="http://schemas.openxmlformats.org/drawingml/2006/main" xmlns:r="http://schemas.openxmlformats.org/officeDocument/2006/relationships" xmlns:p="http://schemas.openxmlformats.org/presentationml/2006/main">
+  <p:cSld>
+    <p:spTree>
+      <p:nvGrpSpPr>
+        <p:cNvPr id="1" name=""/>
+        <p:cNvGrpSpPr/>
+        <p:nvPr/>
+      </p:nvGrpSpPr>
+      <p:grpSpPr>
+        <a:xfrm>
+          <a:off x="0" y="0"/>
+          <a:ext cx="0" cy="0"/>
+          <a:chOff x="0" y="0"/>
+          <a:chExt cx="0" cy="0"/>
+        </a:xfrm>
+      </p:grpSpPr>
+      <p:pic>
+        <p:nvPicPr>
+          <p:cNvPr id="2" name="Picture 1"/>
+          <p:cNvPicPr>
+            <a:picLocks noChangeAspect="1"/>
+          </p:cNvPicPr>
+          <p:nvPr/>
+        </p:nvPicPr>
+        <p:blipFill>
+          <a:blip r:embed="rId2">
+            <a:extLst>
+              <a:ext uri="{28A0092B-C50C-407E-A947-70E740481C1C}">
+                <a14:useLocalDpi xmlns:a14="http://schemas.microsoft.com/office/drawing/2010/main" val="0"/>
+              </a:ext>
+            </a:extLst>
+          </a:blip>
+          <a:stretch>
+            <a:fillRect/>
+          </a:stretch>
+        </p:blipFill>
+        <p:spPr>
+          <a:xfrm>
+            <a:off x="362103" y="1127760"/>
+            <a:ext cx="11829897" cy="4770120"/>
+          </a:xfrm>
+          <a:prstGeom prst="rect">
+            <a:avLst/>
+          </a:prstGeom>
+        </p:spPr>
+      </p:pic>
+      <p:pic>
+        <p:nvPicPr>
+          <p:cNvPr id="3" name="Picture 2"/>
+          <p:cNvPicPr>
+            <a:picLocks noChangeAspect="1"/>
+          </p:cNvPicPr>
+          <p:nvPr/>
+        </p:nvPicPr>
+        <p:blipFill>
+          <a:blip r:embed="rId3">
+            <a:extLst>
+              <a:ext uri="{28A0092B-C50C-407E-A947-70E740481C1C}">
+                <a14:useLocalDpi xmlns:a14="http://schemas.microsoft.com/office/drawing/2010/main" val="0"/>
+              </a:ext>
+            </a:extLst>
+          </a:blip>
+          <a:stretch>
+            <a:fillRect/>
+          </a:stretch>
+        </p:blipFill>
+        <p:spPr>
+          <a:xfrm>
+            <a:off x="0" y="1905000"/>
+            <a:ext cx="12070080" cy="4450080"/>
+          </a:xfrm>
+          <a:prstGeom prst="rect">
+            <a:avLst/>
+          </a:prstGeom>
+        </p:spPr>
+      </p:pic>
+    </p:spTree>
+    <p:extLst>
+      <p:ext uri="{BB962C8B-B14F-4D97-AF65-F5344CB8AC3E}">
+        <p14:creationId xmlns:p14="http://schemas.microsoft.com/office/powerpoint/2010/main" val="457038824"/>
+      </p:ext>
+    </p:extLst>
+  </p:cSld>
+  <p:clrMapOvr>
+    <a:masterClrMapping/>
+  </p:clrMapOvr>
+  <p:timing>
+    <p:tnLst>
+      <p:par>
+        <p:cTn id="1" dur="indefinite" restart="never" nodeType="tmRoot"/>
+      </p:par>
+    </p:tnLst>
+  </p:timing>
+</p:sld>
+</file>
+
+<file path=ppt/slides/slide15.xml><?xml version="1.0" encoding="utf-8"?>
+<p:sld xmlns:a="http://schemas.openxmlformats.org/drawingml/2006/main" xmlns:r="http://schemas.openxmlformats.org/officeDocument/2006/relationships" xmlns:p="http://schemas.openxmlformats.org/presentationml/2006/main">
+  <p:cSld>
+    <p:spTree>
+      <p:nvGrpSpPr>
+        <p:cNvPr id="1" name=""/>
+        <p:cNvGrpSpPr/>
+        <p:nvPr/>
+      </p:nvGrpSpPr>
+      <p:grpSpPr>
+        <a:xfrm>
+          <a:off x="0" y="0"/>
+          <a:ext cx="0" cy="0"/>
+          <a:chOff x="0" y="0"/>
+          <a:chExt cx="0" cy="0"/>
+        </a:xfrm>
+      </p:grpSpPr>
+      <p:pic>
+        <p:nvPicPr>
+          <p:cNvPr id="2" name="Picture 1"/>
+          <p:cNvPicPr>
+            <a:picLocks noChangeAspect="1"/>
+          </p:cNvPicPr>
+          <p:nvPr/>
+        </p:nvPicPr>
+        <p:blipFill>
+          <a:blip r:embed="rId2">
+            <a:extLst>
+              <a:ext uri="{28A0092B-C50C-407E-A947-70E740481C1C}">
+                <a14:useLocalDpi xmlns:a14="http://schemas.microsoft.com/office/drawing/2010/main" val="0"/>
+              </a:ext>
+            </a:extLst>
+          </a:blip>
+          <a:stretch>
+            <a:fillRect/>
+          </a:stretch>
+        </p:blipFill>
+        <p:spPr>
+          <a:xfrm>
+            <a:off x="362103" y="1127760"/>
+            <a:ext cx="11829897" cy="4770120"/>
+          </a:xfrm>
+          <a:prstGeom prst="rect">
+            <a:avLst/>
+          </a:prstGeom>
+        </p:spPr>
+      </p:pic>
+      <p:pic>
+        <p:nvPicPr>
+          <p:cNvPr id="3" name="Picture 2"/>
+          <p:cNvPicPr>
+            <a:picLocks noChangeAspect="1"/>
+          </p:cNvPicPr>
+          <p:nvPr/>
+        </p:nvPicPr>
+        <p:blipFill>
+          <a:blip r:embed="rId3">
+            <a:extLst>
+              <a:ext uri="{28A0092B-C50C-407E-A947-70E740481C1C}">
+                <a14:useLocalDpi xmlns:a14="http://schemas.microsoft.com/office/drawing/2010/main" val="0"/>
+              </a:ext>
+            </a:extLst>
+          </a:blip>
+          <a:stretch>
+            <a:fillRect/>
+          </a:stretch>
+        </p:blipFill>
+        <p:spPr>
+          <a:xfrm>
+            <a:off x="0" y="3535680"/>
+            <a:ext cx="12070080" cy="2819400"/>
+          </a:xfrm>
+          <a:prstGeom prst="rect">
+            <a:avLst/>
+          </a:prstGeom>
+        </p:spPr>
+      </p:pic>
+    </p:spTree>
+    <p:extLst>
+      <p:ext uri="{BB962C8B-B14F-4D97-AF65-F5344CB8AC3E}">
+        <p14:creationId xmlns:p14="http://schemas.microsoft.com/office/powerpoint/2010/main" val="1338392385"/>
+      </p:ext>
+    </p:extLst>
+  </p:cSld>
+  <p:clrMapOvr>
+    <a:masterClrMapping/>
+  </p:clrMapOvr>
+  <p:timing>
+    <p:tnLst>
+      <p:par>
+        <p:cTn id="1" dur="indefinite" restart="never" nodeType="tmRoot"/>
+      </p:par>
+    </p:tnLst>
+  </p:timing>
+</p:sld>
+</file>
+
+<file path=ppt/slides/slide16.xml><?xml version="1.0" encoding="utf-8"?>
+<p:sld xmlns:a="http://schemas.openxmlformats.org/drawingml/2006/main" xmlns:r="http://schemas.openxmlformats.org/officeDocument/2006/relationships" xmlns:p="http://schemas.openxmlformats.org/presentationml/2006/main">
+  <p:cSld>
+    <p:spTree>
+      <p:nvGrpSpPr>
+        <p:cNvPr id="1" name=""/>
+        <p:cNvGrpSpPr/>
+        <p:nvPr/>
+      </p:nvGrpSpPr>
+      <p:grpSpPr>
+        <a:xfrm>
+          <a:off x="0" y="0"/>
+          <a:ext cx="0" cy="0"/>
+          <a:chOff x="0" y="0"/>
+          <a:chExt cx="0" cy="0"/>
+        </a:xfrm>
+      </p:grpSpPr>
+      <p:pic>
+        <p:nvPicPr>
+          <p:cNvPr id="2" name="Picture 1"/>
+          <p:cNvPicPr>
+            <a:picLocks noChangeAspect="1"/>
+          </p:cNvPicPr>
+          <p:nvPr/>
+        </p:nvPicPr>
+        <p:blipFill>
+          <a:blip r:embed="rId2">
+            <a:extLst>
+              <a:ext uri="{28A0092B-C50C-407E-A947-70E740481C1C}">
+                <a14:useLocalDpi xmlns:a14="http://schemas.microsoft.com/office/drawing/2010/main" val="0"/>
+              </a:ext>
+            </a:extLst>
+          </a:blip>
+          <a:stretch>
+            <a:fillRect/>
+          </a:stretch>
+        </p:blipFill>
+        <p:spPr>
+          <a:xfrm>
+            <a:off x="362103" y="1127760"/>
+            <a:ext cx="11829897" cy="4770120"/>
+          </a:xfrm>
+          <a:prstGeom prst="rect">
+            <a:avLst/>
+          </a:prstGeom>
+        </p:spPr>
+      </p:pic>
+      <p:pic>
+        <p:nvPicPr>
+          <p:cNvPr id="3" name="Picture 2"/>
+          <p:cNvPicPr>
+            <a:picLocks noChangeAspect="1"/>
+          </p:cNvPicPr>
+          <p:nvPr/>
+        </p:nvPicPr>
+        <p:blipFill>
+          <a:blip r:embed="rId3">
+            <a:extLst>
+              <a:ext uri="{28A0092B-C50C-407E-A947-70E740481C1C}">
+                <a14:useLocalDpi xmlns:a14="http://schemas.microsoft.com/office/drawing/2010/main" val="0"/>
+              </a:ext>
+            </a:extLst>
+          </a:blip>
+          <a:stretch>
+            <a:fillRect/>
+          </a:stretch>
+        </p:blipFill>
+        <p:spPr>
+          <a:xfrm>
+            <a:off x="0" y="4160520"/>
+            <a:ext cx="12070080" cy="2194560"/>
+          </a:xfrm>
+          <a:prstGeom prst="rect">
+            <a:avLst/>
+          </a:prstGeom>
+        </p:spPr>
+      </p:pic>
+    </p:spTree>
+    <p:extLst>
+      <p:ext uri="{BB962C8B-B14F-4D97-AF65-F5344CB8AC3E}">
+        <p14:creationId xmlns:p14="http://schemas.microsoft.com/office/powerpoint/2010/main" val="505701721"/>
+      </p:ext>
+    </p:extLst>
+  </p:cSld>
+  <p:clrMapOvr>
+    <a:masterClrMapping/>
+  </p:clrMapOvr>
+  <p:timing>
+    <p:tnLst>
+      <p:par>
+        <p:cTn id="1" dur="indefinite" restart="never" nodeType="tmRoot"/>
+      </p:par>
+    </p:tnLst>
+  </p:timing>
+</p:sld>
+</file>
+
+<file path=ppt/slides/slide17.xml><?xml version="1.0" encoding="utf-8"?>
+<p:sld xmlns:a="http://schemas.openxmlformats.org/drawingml/2006/main" xmlns:r="http://schemas.openxmlformats.org/officeDocument/2006/relationships" xmlns:p="http://schemas.openxmlformats.org/presentationml/2006/main">
+  <p:cSld>
+    <p:spTree>
+      <p:nvGrpSpPr>
+        <p:cNvPr id="1" name=""/>
+        <p:cNvGrpSpPr/>
+        <p:nvPr/>
+      </p:nvGrpSpPr>
+      <p:grpSpPr>
+        <a:xfrm>
+          <a:off x="0" y="0"/>
+          <a:ext cx="0" cy="0"/>
+          <a:chOff x="0" y="0"/>
+          <a:chExt cx="0" cy="0"/>
+        </a:xfrm>
+      </p:grpSpPr>
+      <p:pic>
+        <p:nvPicPr>
+          <p:cNvPr id="2" name="Picture 1"/>
+          <p:cNvPicPr>
+            <a:picLocks noChangeAspect="1"/>
+          </p:cNvPicPr>
+          <p:nvPr/>
+        </p:nvPicPr>
+        <p:blipFill>
+          <a:blip r:embed="rId2">
+            <a:extLst>
+              <a:ext uri="{28A0092B-C50C-407E-A947-70E740481C1C}">
+                <a14:useLocalDpi xmlns:a14="http://schemas.microsoft.com/office/drawing/2010/main" val="0"/>
+              </a:ext>
+            </a:extLst>
+          </a:blip>
+          <a:stretch>
+            <a:fillRect/>
+          </a:stretch>
+        </p:blipFill>
+        <p:spPr>
+          <a:xfrm>
+            <a:off x="362103" y="1127760"/>
+            <a:ext cx="11829897" cy="4770120"/>
+          </a:xfrm>
+          <a:prstGeom prst="rect">
+            <a:avLst/>
+          </a:prstGeom>
+        </p:spPr>
+      </p:pic>
+    </p:spTree>
+    <p:extLst>
+      <p:ext uri="{BB962C8B-B14F-4D97-AF65-F5344CB8AC3E}">
+        <p14:creationId xmlns:p14="http://schemas.microsoft.com/office/powerpoint/2010/main" val="689752288"/>
+      </p:ext>
+    </p:extLst>
+  </p:cSld>
+  <p:clrMapOvr>
+    <a:masterClrMapping/>
+  </p:clrMapOvr>
+  <p:timing>
+    <p:tnLst>
+      <p:par>
+        <p:cTn id="1" dur="indefinite" restart="never" nodeType="tmRoot"/>
+      </p:par>
+    </p:tnLst>
+  </p:timing>
 </p:sld>
 </file>
 
@@ -3685,15 +4272,7 @@
                 <a:ea typeface="Arial Black" charset="0"/>
                 <a:cs typeface="Arial Black" charset="0"/>
               </a:rPr>
-              <a:t>[</a:t>
-            </a:r>
-            <a:r>
-              <a:rPr lang="en-US" sz="4000" dirty="0" smtClean="0">
-                <a:latin typeface="Arial Black" charset="0"/>
-                <a:ea typeface="Arial Black" charset="0"/>
-                <a:cs typeface="Arial Black" charset="0"/>
-              </a:rPr>
-              <a:t>200</a:t>
+              <a:t>[200</a:t>
             </a:r>
             <a:r>
               <a:rPr lang="en-US" sz="4000" dirty="0">
@@ -3759,6 +4338,13 @@
   <p:clrMapOvr>
     <a:masterClrMapping/>
   </p:clrMapOvr>
+  <p:timing>
+    <p:tnLst>
+      <p:par>
+        <p:cTn id="1" dur="indefinite" restart="never" nodeType="tmRoot"/>
+      </p:par>
+    </p:tnLst>
+  </p:timing>
 </p:sld>
 </file>
 
@@ -3779,96 +4365,44 @@
           <a:chExt cx="0" cy="0"/>
         </a:xfrm>
       </p:grpSpPr>
-      <p:pic>
-        <p:nvPicPr>
-          <p:cNvPr id="3" name="Picture 2"/>
-          <p:cNvPicPr>
-            <a:picLocks noChangeAspect="1"/>
-          </p:cNvPicPr>
+      <p:sp>
+        <p:nvSpPr>
+          <p:cNvPr id="4" name="TextBox 3"/>
+          <p:cNvSpPr txBox="1"/>
           <p:nvPr/>
-        </p:nvPicPr>
-        <p:blipFill>
-          <a:blip r:embed="rId2">
-            <a:extLst>
-              <a:ext uri="{28A0092B-C50C-407E-A947-70E740481C1C}">
-                <a14:useLocalDpi xmlns:a14="http://schemas.microsoft.com/office/drawing/2010/main" val="0"/>
-              </a:ext>
-            </a:extLst>
-          </a:blip>
-          <a:stretch>
-            <a:fillRect/>
-          </a:stretch>
-        </p:blipFill>
-        <p:spPr>
-          <a:xfrm>
-            <a:off x="598593" y="2453640"/>
-            <a:ext cx="6030807" cy="1064260"/>
+        </p:nvSpPr>
+        <p:spPr>
+          <a:xfrm>
+            <a:off x="3581400" y="2682240"/>
+            <a:ext cx="5651996" cy="707886"/>
           </a:xfrm>
           <a:prstGeom prst="rect">
             <a:avLst/>
           </a:prstGeom>
-        </p:spPr>
-      </p:pic>
-      <p:pic>
-        <p:nvPicPr>
-          <p:cNvPr id="2" name="Picture 1"/>
-          <p:cNvPicPr>
-            <a:picLocks noChangeAspect="1"/>
-          </p:cNvPicPr>
-          <p:nvPr/>
-        </p:nvPicPr>
-        <p:blipFill>
-          <a:blip r:embed="rId3">
-            <a:extLst>
-              <a:ext uri="{28A0092B-C50C-407E-A947-70E740481C1C}">
-                <a14:useLocalDpi xmlns:a14="http://schemas.microsoft.com/office/drawing/2010/main" val="0"/>
-              </a:ext>
-            </a:extLst>
-          </a:blip>
-          <a:stretch>
-            <a:fillRect/>
-          </a:stretch>
-        </p:blipFill>
-        <p:spPr>
-          <a:xfrm>
-            <a:off x="1228030" y="137160"/>
-            <a:ext cx="9794466" cy="6492240"/>
-          </a:xfrm>
-          <a:prstGeom prst="rect">
-            <a:avLst/>
-          </a:prstGeom>
-        </p:spPr>
-      </p:pic>
-      <p:pic>
-        <p:nvPicPr>
-          <p:cNvPr id="5" name="Picture 4"/>
-          <p:cNvPicPr>
-            <a:picLocks noChangeAspect="1"/>
-          </p:cNvPicPr>
-          <p:nvPr/>
-        </p:nvPicPr>
-        <p:blipFill>
-          <a:blip r:embed="rId4">
-            <a:extLst>
-              <a:ext uri="{28A0092B-C50C-407E-A947-70E740481C1C}">
-                <a14:useLocalDpi xmlns:a14="http://schemas.microsoft.com/office/drawing/2010/main" val="0"/>
-              </a:ext>
-            </a:extLst>
-          </a:blip>
-          <a:stretch>
-            <a:fillRect/>
-          </a:stretch>
-        </p:blipFill>
-        <p:spPr>
-          <a:xfrm>
-            <a:off x="411480" y="1463040"/>
-            <a:ext cx="10957560" cy="5044440"/>
-          </a:xfrm>
-          <a:prstGeom prst="rect">
-            <a:avLst/>
-          </a:prstGeom>
-        </p:spPr>
-      </p:pic>
+          <a:noFill/>
+        </p:spPr>
+        <p:txBody>
+          <a:bodyPr wrap="none" rtlCol="0">
+            <a:spAutoFit/>
+          </a:bodyPr>
+          <a:lstStyle/>
+          <a:p>
+            <a:r>
+              <a:rPr lang="en-US" sz="4000" dirty="0" smtClean="0">
+                <a:latin typeface="Arial Black" charset="0"/>
+                <a:ea typeface="Arial Black" charset="0"/>
+                <a:cs typeface="Arial Black" charset="0"/>
+              </a:rPr>
+              <a:t>Direct Computation</a:t>
+            </a:r>
+            <a:endParaRPr lang="en-US" sz="4000" dirty="0">
+              <a:latin typeface="Arial Black" charset="0"/>
+              <a:ea typeface="Arial Black" charset="0"/>
+              <a:cs typeface="Arial Black" charset="0"/>
+            </a:endParaRPr>
+          </a:p>
+        </p:txBody>
+      </p:sp>
     </p:spTree>
     <p:extLst>
       <p:ext uri="{BB962C8B-B14F-4D97-AF65-F5344CB8AC3E}">
@@ -3879,6 +4413,13 @@
   <p:clrMapOvr>
     <a:masterClrMapping/>
   </p:clrMapOvr>
+  <p:timing>
+    <p:tnLst>
+      <p:par>
+        <p:cTn id="1" dur="indefinite" restart="never" nodeType="tmRoot"/>
+      </p:par>
+    </p:tnLst>
+  </p:timing>
 </p:sld>
 </file>
 
@@ -3981,8 +4522,8 @@
         </p:blipFill>
         <p:spPr>
           <a:xfrm>
-            <a:off x="411480" y="1874520"/>
-            <a:ext cx="10957560" cy="4632960"/>
+            <a:off x="411480" y="1463040"/>
+            <a:ext cx="10957560" cy="5044440"/>
           </a:xfrm>
           <a:prstGeom prst="rect">
             <a:avLst/>
@@ -3992,13 +4533,20 @@
     </p:spTree>
     <p:extLst>
       <p:ext uri="{BB962C8B-B14F-4D97-AF65-F5344CB8AC3E}">
-        <p14:creationId xmlns:p14="http://schemas.microsoft.com/office/powerpoint/2010/main" val="1321560675"/>
+        <p14:creationId xmlns:p14="http://schemas.microsoft.com/office/powerpoint/2010/main" val="36749985"/>
       </p:ext>
     </p:extLst>
   </p:cSld>
   <p:clrMapOvr>
     <a:masterClrMapping/>
   </p:clrMapOvr>
+  <p:timing>
+    <p:tnLst>
+      <p:par>
+        <p:cTn id="1" dur="indefinite" restart="never" nodeType="tmRoot"/>
+      </p:par>
+    </p:tnLst>
+  </p:timing>
 </p:sld>
 </file>
 
@@ -4101,8 +4649,8 @@
         </p:blipFill>
         <p:spPr>
           <a:xfrm>
-            <a:off x="411480" y="2895600"/>
-            <a:ext cx="10957560" cy="3611880"/>
+            <a:off x="411480" y="1874520"/>
+            <a:ext cx="10957560" cy="4632960"/>
           </a:xfrm>
           <a:prstGeom prst="rect">
             <a:avLst/>
@@ -4112,13 +4660,20 @@
     </p:spTree>
     <p:extLst>
       <p:ext uri="{BB962C8B-B14F-4D97-AF65-F5344CB8AC3E}">
-        <p14:creationId xmlns:p14="http://schemas.microsoft.com/office/powerpoint/2010/main" val="436210937"/>
+        <p14:creationId xmlns:p14="http://schemas.microsoft.com/office/powerpoint/2010/main" val="1321560675"/>
       </p:ext>
     </p:extLst>
   </p:cSld>
   <p:clrMapOvr>
     <a:masterClrMapping/>
   </p:clrMapOvr>
+  <p:timing>
+    <p:tnLst>
+      <p:par>
+        <p:cTn id="1" dur="indefinite" restart="never" nodeType="tmRoot"/>
+      </p:par>
+    </p:tnLst>
+  </p:timing>
 </p:sld>
 </file>
 
@@ -4221,8 +4776,8 @@
         </p:blipFill>
         <p:spPr>
           <a:xfrm>
-            <a:off x="411480" y="3368040"/>
-            <a:ext cx="10957560" cy="3139440"/>
+            <a:off x="411480" y="2895600"/>
+            <a:ext cx="10957560" cy="3611880"/>
           </a:xfrm>
           <a:prstGeom prst="rect">
             <a:avLst/>
@@ -4232,13 +4787,20 @@
     </p:spTree>
     <p:extLst>
       <p:ext uri="{BB962C8B-B14F-4D97-AF65-F5344CB8AC3E}">
-        <p14:creationId xmlns:p14="http://schemas.microsoft.com/office/powerpoint/2010/main" val="425633762"/>
+        <p14:creationId xmlns:p14="http://schemas.microsoft.com/office/powerpoint/2010/main" val="436210937"/>
       </p:ext>
     </p:extLst>
   </p:cSld>
   <p:clrMapOvr>
     <a:masterClrMapping/>
   </p:clrMapOvr>
+  <p:timing>
+    <p:tnLst>
+      <p:par>
+        <p:cTn id="1" dur="indefinite" restart="never" nodeType="tmRoot"/>
+      </p:par>
+    </p:tnLst>
+  </p:timing>
 </p:sld>
 </file>
 
@@ -4341,8 +4903,8 @@
         </p:blipFill>
         <p:spPr>
           <a:xfrm>
-            <a:off x="411480" y="4434840"/>
-            <a:ext cx="10957560" cy="2072640"/>
+            <a:off x="411480" y="3368040"/>
+            <a:ext cx="10957560" cy="3139440"/>
           </a:xfrm>
           <a:prstGeom prst="rect">
             <a:avLst/>
@@ -4352,13 +4914,20 @@
     </p:spTree>
     <p:extLst>
       <p:ext uri="{BB962C8B-B14F-4D97-AF65-F5344CB8AC3E}">
-        <p14:creationId xmlns:p14="http://schemas.microsoft.com/office/powerpoint/2010/main" val="1533968467"/>
+        <p14:creationId xmlns:p14="http://schemas.microsoft.com/office/powerpoint/2010/main" val="425633762"/>
       </p:ext>
     </p:extLst>
   </p:cSld>
   <p:clrMapOvr>
     <a:masterClrMapping/>
   </p:clrMapOvr>
+  <p:timing>
+    <p:tnLst>
+      <p:par>
+        <p:cTn id="1" dur="indefinite" restart="never" nodeType="tmRoot"/>
+      </p:par>
+    </p:tnLst>
+  </p:timing>
 </p:sld>
 </file>
 
@@ -4461,8 +5030,8 @@
         </p:blipFill>
         <p:spPr>
           <a:xfrm>
-            <a:off x="411480" y="5425440"/>
-            <a:ext cx="10957560" cy="1082040"/>
+            <a:off x="411480" y="4434840"/>
+            <a:ext cx="10957560" cy="2072640"/>
           </a:xfrm>
           <a:prstGeom prst="rect">
             <a:avLst/>
@@ -4472,13 +5041,20 @@
     </p:spTree>
     <p:extLst>
       <p:ext uri="{BB962C8B-B14F-4D97-AF65-F5344CB8AC3E}">
-        <p14:creationId xmlns:p14="http://schemas.microsoft.com/office/powerpoint/2010/main" val="428099911"/>
+        <p14:creationId xmlns:p14="http://schemas.microsoft.com/office/powerpoint/2010/main" val="1533968467"/>
       </p:ext>
     </p:extLst>
   </p:cSld>
   <p:clrMapOvr>
     <a:masterClrMapping/>
   </p:clrMapOvr>
+  <p:timing>
+    <p:tnLst>
+      <p:par>
+        <p:cTn id="1" dur="indefinite" restart="never" nodeType="tmRoot"/>
+      </p:par>
+    </p:tnLst>
+  </p:timing>
 </p:sld>
 </file>
 
